--- a/Data/pictures/chapter1.pptx
+++ b/Data/pictures/chapter1.pptx
@@ -10,6 +10,7 @@
     <p:sldId id="258" r:id="rId4"/>
     <p:sldId id="259" r:id="rId5"/>
     <p:sldId id="260" r:id="rId6"/>
+    <p:sldId id="261" r:id="rId7"/>
   </p:sldIdLst>
   <p:sldSz cx="12192000" cy="6858000"/>
   <p:notesSz cx="6858000" cy="9144000"/>
@@ -4317,7 +4318,7 @@
           <a:graphicData uri="http://schemas.openxmlformats.org/presentationml/2006/ole">
             <mc:AlternateContent xmlns:mc="http://schemas.openxmlformats.org/markup-compatibility/2006">
               <mc:Choice xmlns:v="urn:schemas-microsoft-com:vml" Requires="v">
-                <p:oleObj spid="_x0000_s1036" name="Equation" r:id="rId3" imgW="495000" imgH="253800" progId="Equation.DSMT4">
+                <p:oleObj spid="_x0000_s1056" name="Equation" r:id="rId3" imgW="495000" imgH="253800" progId="Equation.DSMT4">
                   <p:embed/>
                 </p:oleObj>
               </mc:Choice>
@@ -4386,7 +4387,7 @@
           <a:graphicData uri="http://schemas.openxmlformats.org/presentationml/2006/ole">
             <mc:AlternateContent xmlns:mc="http://schemas.openxmlformats.org/markup-compatibility/2006">
               <mc:Choice xmlns:v="urn:schemas-microsoft-com:vml" Requires="v">
-                <p:oleObj spid="_x0000_s1037" name="Equation" r:id="rId5" imgW="507960" imgH="253800" progId="Equation.DSMT4">
+                <p:oleObj spid="_x0000_s1057" name="Equation" r:id="rId5" imgW="507960" imgH="253800" progId="Equation.DSMT4">
                   <p:embed/>
                 </p:oleObj>
               </mc:Choice>
@@ -4455,7 +4456,7 @@
           <a:graphicData uri="http://schemas.openxmlformats.org/presentationml/2006/ole">
             <mc:AlternateContent xmlns:mc="http://schemas.openxmlformats.org/markup-compatibility/2006">
               <mc:Choice xmlns:v="urn:schemas-microsoft-com:vml" Requires="v">
-                <p:oleObj spid="_x0000_s1038" name="Equation" r:id="rId7" imgW="507960" imgH="253800" progId="Equation.DSMT4">
+                <p:oleObj spid="_x0000_s1058" name="Equation" r:id="rId7" imgW="507960" imgH="253800" progId="Equation.DSMT4">
                   <p:embed/>
                 </p:oleObj>
               </mc:Choice>
@@ -4524,7 +4525,7 @@
           <a:graphicData uri="http://schemas.openxmlformats.org/presentationml/2006/ole">
             <mc:AlternateContent xmlns:mc="http://schemas.openxmlformats.org/markup-compatibility/2006">
               <mc:Choice xmlns:v="urn:schemas-microsoft-com:vml" Requires="v">
-                <p:oleObj spid="_x0000_s1039" name="Equation" r:id="rId9" imgW="520560" imgH="253800" progId="Equation.DSMT4">
+                <p:oleObj spid="_x0000_s1059" name="Equation" r:id="rId9" imgW="520560" imgH="253800" progId="Equation.DSMT4">
                   <p:embed/>
                 </p:oleObj>
               </mc:Choice>
@@ -4710,7 +4711,7 @@
           <a:graphicData uri="http://schemas.openxmlformats.org/presentationml/2006/ole">
             <mc:AlternateContent xmlns:mc="http://schemas.openxmlformats.org/markup-compatibility/2006">
               <mc:Choice xmlns:v="urn:schemas-microsoft-com:vml" Requires="v">
-                <p:oleObj spid="_x0000_s1040" name="Equation" r:id="rId11" imgW="164880" imgH="228600" progId="Equation.DSMT4">
+                <p:oleObj spid="_x0000_s1060" name="Equation" r:id="rId11" imgW="164880" imgH="228600" progId="Equation.DSMT4">
                   <p:embed/>
                 </p:oleObj>
               </mc:Choice>
@@ -4779,7 +4780,7 @@
           <a:graphicData uri="http://schemas.openxmlformats.org/presentationml/2006/ole">
             <mc:AlternateContent xmlns:mc="http://schemas.openxmlformats.org/markup-compatibility/2006">
               <mc:Choice xmlns:v="urn:schemas-microsoft-com:vml" Requires="v">
-                <p:oleObj spid="_x0000_s1041" name="Equation" r:id="rId13" imgW="190440" imgH="228600" progId="Equation.DSMT4">
+                <p:oleObj spid="_x0000_s1061" name="Equation" r:id="rId13" imgW="190440" imgH="228600" progId="Equation.DSMT4">
                   <p:embed/>
                 </p:oleObj>
               </mc:Choice>
@@ -4848,7 +4849,7 @@
           <a:graphicData uri="http://schemas.openxmlformats.org/presentationml/2006/ole">
             <mc:AlternateContent xmlns:mc="http://schemas.openxmlformats.org/markup-compatibility/2006">
               <mc:Choice xmlns:v="urn:schemas-microsoft-com:vml" Requires="v">
-                <p:oleObj spid="_x0000_s1042" name="Equation" r:id="rId15" imgW="164880" imgH="228600" progId="Equation.DSMT4">
+                <p:oleObj spid="_x0000_s1062" name="Equation" r:id="rId15" imgW="164880" imgH="228600" progId="Equation.DSMT4">
                   <p:embed/>
                 </p:oleObj>
               </mc:Choice>
@@ -4917,7 +4918,7 @@
           <a:graphicData uri="http://schemas.openxmlformats.org/presentationml/2006/ole">
             <mc:AlternateContent xmlns:mc="http://schemas.openxmlformats.org/markup-compatibility/2006">
               <mc:Choice xmlns:v="urn:schemas-microsoft-com:vml" Requires="v">
-                <p:oleObj spid="_x0000_s1043" name="Equation" r:id="rId17" imgW="164880" imgH="228600" progId="Equation.DSMT4">
+                <p:oleObj spid="_x0000_s1063" name="Equation" r:id="rId17" imgW="164880" imgH="228600" progId="Equation.DSMT4">
                   <p:embed/>
                 </p:oleObj>
               </mc:Choice>
@@ -4986,7 +4987,7 @@
           <a:graphicData uri="http://schemas.openxmlformats.org/presentationml/2006/ole">
             <mc:AlternateContent xmlns:mc="http://schemas.openxmlformats.org/markup-compatibility/2006">
               <mc:Choice xmlns:v="urn:schemas-microsoft-com:vml" Requires="v">
-                <p:oleObj spid="_x0000_s1044" name="Equation" r:id="rId19" imgW="190440" imgH="228600" progId="Equation.DSMT4">
+                <p:oleObj spid="_x0000_s1064" name="Equation" r:id="rId19" imgW="190440" imgH="228600" progId="Equation.DSMT4">
                   <p:embed/>
                 </p:oleObj>
               </mc:Choice>
@@ -5055,7 +5056,7 @@
           <a:graphicData uri="http://schemas.openxmlformats.org/presentationml/2006/ole">
             <mc:AlternateContent xmlns:mc="http://schemas.openxmlformats.org/markup-compatibility/2006">
               <mc:Choice xmlns:v="urn:schemas-microsoft-com:vml" Requires="v">
-                <p:oleObj spid="_x0000_s1045" name="Equation" r:id="rId21" imgW="190440" imgH="228600" progId="Equation.DSMT4">
+                <p:oleObj spid="_x0000_s1065" name="Equation" r:id="rId21" imgW="190440" imgH="228600" progId="Equation.DSMT4">
                   <p:embed/>
                 </p:oleObj>
               </mc:Choice>
@@ -5810,7 +5811,7 @@
           <a:graphicData uri="http://schemas.openxmlformats.org/presentationml/2006/ole">
             <mc:AlternateContent xmlns:mc="http://schemas.openxmlformats.org/markup-compatibility/2006">
               <mc:Choice xmlns:v="urn:schemas-microsoft-com:vml" Requires="v">
-                <p:oleObj spid="_x0000_s2060" name="Equation" r:id="rId3" imgW="2260440" imgH="253800" progId="Equation.DSMT4">
+                <p:oleObj spid="_x0000_s2080" name="Equation" r:id="rId3" imgW="2260440" imgH="253800" progId="Equation.DSMT4">
                   <p:embed/>
                 </p:oleObj>
               </mc:Choice>
@@ -5996,7 +5997,7 @@
           <a:graphicData uri="http://schemas.openxmlformats.org/presentationml/2006/ole">
             <mc:AlternateContent xmlns:mc="http://schemas.openxmlformats.org/markup-compatibility/2006">
               <mc:Choice xmlns:v="urn:schemas-microsoft-com:vml" Requires="v">
-                <p:oleObj spid="_x0000_s2061" name="Equation" r:id="rId5" imgW="825480" imgH="253800" progId="Equation.DSMT4">
+                <p:oleObj spid="_x0000_s2081" name="Equation" r:id="rId5" imgW="825480" imgH="253800" progId="Equation.DSMT4">
                   <p:embed/>
                 </p:oleObj>
               </mc:Choice>
@@ -6065,7 +6066,7 @@
           <a:graphicData uri="http://schemas.openxmlformats.org/presentationml/2006/ole">
             <mc:AlternateContent xmlns:mc="http://schemas.openxmlformats.org/markup-compatibility/2006">
               <mc:Choice xmlns:v="urn:schemas-microsoft-com:vml" Requires="v">
-                <p:oleObj spid="_x0000_s2062" name="Equation" r:id="rId7" imgW="850680" imgH="253800" progId="Equation.DSMT4">
+                <p:oleObj spid="_x0000_s2082" name="Equation" r:id="rId7" imgW="850680" imgH="253800" progId="Equation.DSMT4">
                   <p:embed/>
                 </p:oleObj>
               </mc:Choice>
@@ -6134,7 +6135,7 @@
           <a:graphicData uri="http://schemas.openxmlformats.org/presentationml/2006/ole">
             <mc:AlternateContent xmlns:mc="http://schemas.openxmlformats.org/markup-compatibility/2006">
               <mc:Choice xmlns:v="urn:schemas-microsoft-com:vml" Requires="v">
-                <p:oleObj spid="_x0000_s2063" name="Equation" r:id="rId9" imgW="1054080" imgH="253800" progId="Equation.DSMT4">
+                <p:oleObj spid="_x0000_s2083" name="Equation" r:id="rId9" imgW="1054080" imgH="253800" progId="Equation.DSMT4">
                   <p:embed/>
                 </p:oleObj>
               </mc:Choice>
@@ -6203,7 +6204,7 @@
           <a:graphicData uri="http://schemas.openxmlformats.org/presentationml/2006/ole">
             <mc:AlternateContent xmlns:mc="http://schemas.openxmlformats.org/markup-compatibility/2006">
               <mc:Choice xmlns:v="urn:schemas-microsoft-com:vml" Requires="v">
-                <p:oleObj spid="_x0000_s2064" name="Equation" r:id="rId11" imgW="1079280" imgH="253800" progId="Equation.DSMT4">
+                <p:oleObj spid="_x0000_s2084" name="Equation" r:id="rId11" imgW="1079280" imgH="253800" progId="Equation.DSMT4">
                   <p:embed/>
                 </p:oleObj>
               </mc:Choice>
@@ -6272,7 +6273,7 @@
           <a:graphicData uri="http://schemas.openxmlformats.org/presentationml/2006/ole">
             <mc:AlternateContent xmlns:mc="http://schemas.openxmlformats.org/markup-compatibility/2006">
               <mc:Choice xmlns:v="urn:schemas-microsoft-com:vml" Requires="v">
-                <p:oleObj spid="_x0000_s2065" name="Equation" r:id="rId13" imgW="1066680" imgH="253800" progId="Equation.DSMT4">
+                <p:oleObj spid="_x0000_s2085" name="Equation" r:id="rId13" imgW="1066680" imgH="253800" progId="Equation.DSMT4">
                   <p:embed/>
                 </p:oleObj>
               </mc:Choice>
@@ -6341,7 +6342,7 @@
           <a:graphicData uri="http://schemas.openxmlformats.org/presentationml/2006/ole">
             <mc:AlternateContent xmlns:mc="http://schemas.openxmlformats.org/markup-compatibility/2006">
               <mc:Choice xmlns:v="urn:schemas-microsoft-com:vml" Requires="v">
-                <p:oleObj spid="_x0000_s2066" name="Equation" r:id="rId15" imgW="1091880" imgH="253800" progId="Equation.DSMT4">
+                <p:oleObj spid="_x0000_s2086" name="Equation" r:id="rId15" imgW="1091880" imgH="253800" progId="Equation.DSMT4">
                   <p:embed/>
                 </p:oleObj>
               </mc:Choice>
@@ -6410,7 +6411,7 @@
           <a:graphicData uri="http://schemas.openxmlformats.org/presentationml/2006/ole">
             <mc:AlternateContent xmlns:mc="http://schemas.openxmlformats.org/markup-compatibility/2006">
               <mc:Choice xmlns:v="urn:schemas-microsoft-com:vml" Requires="v">
-                <p:oleObj spid="_x0000_s2067" name="Equation" r:id="rId17" imgW="2298600" imgH="253800" progId="Equation.DSMT4">
+                <p:oleObj spid="_x0000_s2087" name="Equation" r:id="rId17" imgW="2298600" imgH="253800" progId="Equation.DSMT4">
                   <p:embed/>
                 </p:oleObj>
               </mc:Choice>
@@ -6479,7 +6480,7 @@
           <a:graphicData uri="http://schemas.openxmlformats.org/presentationml/2006/ole">
             <mc:AlternateContent xmlns:mc="http://schemas.openxmlformats.org/markup-compatibility/2006">
               <mc:Choice xmlns:v="urn:schemas-microsoft-com:vml" Requires="v">
-                <p:oleObj spid="_x0000_s2068" name="Equation" r:id="rId19" imgW="2311200" imgH="253800" progId="Equation.DSMT4">
+                <p:oleObj spid="_x0000_s2088" name="Equation" r:id="rId19" imgW="2311200" imgH="253800" progId="Equation.DSMT4">
                   <p:embed/>
                 </p:oleObj>
               </mc:Choice>
@@ -6548,7 +6549,7 @@
           <a:graphicData uri="http://schemas.openxmlformats.org/presentationml/2006/ole">
             <mc:AlternateContent xmlns:mc="http://schemas.openxmlformats.org/markup-compatibility/2006">
               <mc:Choice xmlns:v="urn:schemas-microsoft-com:vml" Requires="v">
-                <p:oleObj spid="_x0000_s2069" name="Equation" r:id="rId21" imgW="2336760" imgH="253800" progId="Equation.DSMT4">
+                <p:oleObj spid="_x0000_s2089" name="Equation" r:id="rId21" imgW="2336760" imgH="253800" progId="Equation.DSMT4">
                   <p:embed/>
                 </p:oleObj>
               </mc:Choice>
@@ -8724,7 +8725,7 @@
           <a:graphicData uri="http://schemas.openxmlformats.org/presentationml/2006/ole">
             <mc:AlternateContent xmlns:mc="http://schemas.openxmlformats.org/markup-compatibility/2006">
               <mc:Choice xmlns:v="urn:schemas-microsoft-com:vml" Requires="v">
-                <p:oleObj spid="_x0000_s3074" name="Equation" r:id="rId3" imgW="126720" imgH="139680" progId="Equation.DSMT4">
+                <p:oleObj spid="_x0000_s3092" name="Equation" r:id="rId3" imgW="126720" imgH="139680" progId="Equation.DSMT4">
                   <p:embed/>
                 </p:oleObj>
               </mc:Choice>
@@ -8775,7 +8776,7 @@
           <a:graphicData uri="http://schemas.openxmlformats.org/presentationml/2006/ole">
             <mc:AlternateContent xmlns:mc="http://schemas.openxmlformats.org/markup-compatibility/2006">
               <mc:Choice xmlns:v="urn:schemas-microsoft-com:vml" Requires="v">
-                <p:oleObj spid="_x0000_s3075" name="Equation" r:id="rId5" imgW="126720" imgH="177480" progId="Equation.DSMT4">
+                <p:oleObj spid="_x0000_s3093" name="Equation" r:id="rId5" imgW="126720" imgH="177480" progId="Equation.DSMT4">
                   <p:embed/>
                 </p:oleObj>
               </mc:Choice>
@@ -8826,7 +8827,7 @@
           <a:graphicData uri="http://schemas.openxmlformats.org/presentationml/2006/ole">
             <mc:AlternateContent xmlns:mc="http://schemas.openxmlformats.org/markup-compatibility/2006">
               <mc:Choice xmlns:v="urn:schemas-microsoft-com:vml" Requires="v">
-                <p:oleObj spid="_x0000_s3076" name="Equation" r:id="rId7" imgW="126720" imgH="139680" progId="Equation.DSMT4">
+                <p:oleObj spid="_x0000_s3094" name="Equation" r:id="rId7" imgW="126720" imgH="139680" progId="Equation.DSMT4">
                   <p:embed/>
                 </p:oleObj>
               </mc:Choice>
@@ -9051,7 +9052,7 @@
           <a:graphicData uri="http://schemas.openxmlformats.org/presentationml/2006/ole">
             <mc:AlternateContent xmlns:mc="http://schemas.openxmlformats.org/markup-compatibility/2006">
               <mc:Choice xmlns:v="urn:schemas-microsoft-com:vml" Requires="v">
-                <p:oleObj spid="_x0000_s3077" name="Equation" r:id="rId9" imgW="152280" imgH="393480" progId="Equation.DSMT4">
+                <p:oleObj spid="_x0000_s3095" name="Equation" r:id="rId9" imgW="152280" imgH="393480" progId="Equation.DSMT4">
                   <p:embed/>
                 </p:oleObj>
               </mc:Choice>
@@ -9102,7 +9103,7 @@
           <a:graphicData uri="http://schemas.openxmlformats.org/presentationml/2006/ole">
             <mc:AlternateContent xmlns:mc="http://schemas.openxmlformats.org/markup-compatibility/2006">
               <mc:Choice xmlns:v="urn:schemas-microsoft-com:vml" Requires="v">
-                <p:oleObj spid="_x0000_s3078" name="Equation" r:id="rId11" imgW="660240" imgH="393480" progId="Equation.DSMT4">
+                <p:oleObj spid="_x0000_s3096" name="Equation" r:id="rId11" imgW="660240" imgH="393480" progId="Equation.DSMT4">
                   <p:embed/>
                 </p:oleObj>
               </mc:Choice>
@@ -9153,7 +9154,7 @@
           <a:graphicData uri="http://schemas.openxmlformats.org/presentationml/2006/ole">
             <mc:AlternateContent xmlns:mc="http://schemas.openxmlformats.org/markup-compatibility/2006">
               <mc:Choice xmlns:v="urn:schemas-microsoft-com:vml" Requires="v">
-                <p:oleObj spid="_x0000_s3079" name="Equation" r:id="rId13" imgW="139680" imgH="139680" progId="Equation.DSMT4">
+                <p:oleObj spid="_x0000_s3097" name="Equation" r:id="rId13" imgW="139680" imgH="139680" progId="Equation.DSMT4">
                   <p:embed/>
                 </p:oleObj>
               </mc:Choice>
@@ -9204,7 +9205,7 @@
           <a:graphicData uri="http://schemas.openxmlformats.org/presentationml/2006/ole">
             <mc:AlternateContent xmlns:mc="http://schemas.openxmlformats.org/markup-compatibility/2006">
               <mc:Choice xmlns:v="urn:schemas-microsoft-com:vml" Requires="v">
-                <p:oleObj spid="_x0000_s3080" name="Equation" r:id="rId15" imgW="126720" imgH="139680" progId="Equation.DSMT4">
+                <p:oleObj spid="_x0000_s3098" name="Equation" r:id="rId15" imgW="126720" imgH="139680" progId="Equation.DSMT4">
                   <p:embed/>
                 </p:oleObj>
               </mc:Choice>
@@ -9255,7 +9256,7 @@
           <a:graphicData uri="http://schemas.openxmlformats.org/presentationml/2006/ole">
             <mc:AlternateContent xmlns:mc="http://schemas.openxmlformats.org/markup-compatibility/2006">
               <mc:Choice xmlns:v="urn:schemas-microsoft-com:vml" Requires="v">
-                <p:oleObj spid="_x0000_s3081" name="Equation" r:id="rId16" imgW="126720" imgH="177480" progId="Equation.DSMT4">
+                <p:oleObj spid="_x0000_s3099" name="Equation" r:id="rId16" imgW="126720" imgH="177480" progId="Equation.DSMT4">
                   <p:embed/>
                 </p:oleObj>
               </mc:Choice>
@@ -9306,7 +9307,7 @@
           <a:graphicData uri="http://schemas.openxmlformats.org/presentationml/2006/ole">
             <mc:AlternateContent xmlns:mc="http://schemas.openxmlformats.org/markup-compatibility/2006">
               <mc:Choice xmlns:v="urn:schemas-microsoft-com:vml" Requires="v">
-                <p:oleObj spid="_x0000_s3082" name="Equation" r:id="rId17" imgW="203040" imgH="164880" progId="Equation.DSMT4">
+                <p:oleObj spid="_x0000_s3100" name="Equation" r:id="rId17" imgW="203040" imgH="164880" progId="Equation.DSMT4">
                   <p:embed/>
                 </p:oleObj>
               </mc:Choice>
@@ -9953,6 +9954,318 @@
     <p:extLst>
       <p:ext uri="{BB962C8B-B14F-4D97-AF65-F5344CB8AC3E}">
         <p14:creationId xmlns:p14="http://schemas.microsoft.com/office/powerpoint/2010/main" val="2310285767"/>
+      </p:ext>
+    </p:extLst>
+  </p:cSld>
+  <p:clrMapOvr>
+    <a:masterClrMapping/>
+  </p:clrMapOvr>
+</p:sld>
+</file>
+
+<file path=ppt/slides/slide6.xml><?xml version="1.0" encoding="utf-8"?>
+<p:sld xmlns:a="http://schemas.openxmlformats.org/drawingml/2006/main" xmlns:r="http://schemas.openxmlformats.org/officeDocument/2006/relationships" xmlns:p="http://schemas.openxmlformats.org/presentationml/2006/main">
+  <p:cSld>
+    <p:spTree>
+      <p:nvGrpSpPr>
+        <p:cNvPr id="1" name=""/>
+        <p:cNvGrpSpPr/>
+        <p:nvPr/>
+      </p:nvGrpSpPr>
+      <p:grpSpPr>
+        <a:xfrm>
+          <a:off x="0" y="0"/>
+          <a:ext cx="0" cy="0"/>
+          <a:chOff x="0" y="0"/>
+          <a:chExt cx="0" cy="0"/>
+        </a:xfrm>
+      </p:grpSpPr>
+      <p:sp>
+        <p:nvSpPr>
+          <p:cNvPr id="4" name="矩形 3"/>
+          <p:cNvSpPr/>
+          <p:nvPr/>
+        </p:nvSpPr>
+        <p:spPr>
+          <a:xfrm>
+            <a:off x="3228230" y="2405270"/>
+            <a:ext cx="3323645" cy="3323645"/>
+          </a:xfrm>
+          <a:prstGeom prst="rect">
+            <a:avLst/>
+          </a:prstGeom>
+          <a:ln>
+            <a:solidFill>
+              <a:schemeClr val="tx1"/>
+            </a:solidFill>
+          </a:ln>
+        </p:spPr>
+        <p:style>
+          <a:lnRef idx="2">
+            <a:schemeClr val="accent2">
+              <a:shade val="50000"/>
+            </a:schemeClr>
+          </a:lnRef>
+          <a:fillRef idx="1">
+            <a:schemeClr val="accent2"/>
+          </a:fillRef>
+          <a:effectRef idx="0">
+            <a:schemeClr val="accent2"/>
+          </a:effectRef>
+          <a:fontRef idx="minor">
+            <a:schemeClr val="lt1"/>
+          </a:fontRef>
+        </p:style>
+        <p:txBody>
+          <a:bodyPr rtlCol="0" anchor="ctr"/>
+          <a:lstStyle/>
+          <a:p>
+            <a:pPr algn="ctr"/>
+            <a:endParaRPr lang="zh-CN" altLang="en-US"/>
+          </a:p>
+        </p:txBody>
+      </p:sp>
+      <p:sp>
+        <p:nvSpPr>
+          <p:cNvPr id="5" name="椭圆 4"/>
+          <p:cNvSpPr/>
+          <p:nvPr/>
+        </p:nvSpPr>
+        <p:spPr>
+          <a:xfrm>
+            <a:off x="3228230" y="2405270"/>
+            <a:ext cx="3323645" cy="3323645"/>
+          </a:xfrm>
+          <a:prstGeom prst="ellipse">
+            <a:avLst/>
+          </a:prstGeom>
+          <a:solidFill>
+            <a:schemeClr val="bg1"/>
+          </a:solidFill>
+          <a:ln>
+            <a:solidFill>
+              <a:schemeClr val="tx1"/>
+            </a:solidFill>
+          </a:ln>
+        </p:spPr>
+        <p:style>
+          <a:lnRef idx="2">
+            <a:schemeClr val="accent1">
+              <a:shade val="50000"/>
+            </a:schemeClr>
+          </a:lnRef>
+          <a:fillRef idx="1">
+            <a:schemeClr val="accent1"/>
+          </a:fillRef>
+          <a:effectRef idx="0">
+            <a:schemeClr val="accent1"/>
+          </a:effectRef>
+          <a:fontRef idx="minor">
+            <a:schemeClr val="lt1"/>
+          </a:fontRef>
+        </p:style>
+        <p:txBody>
+          <a:bodyPr rtlCol="0" anchor="ctr"/>
+          <a:lstStyle/>
+          <a:p>
+            <a:pPr algn="ctr"/>
+            <a:endParaRPr lang="zh-CN" altLang="en-US"/>
+          </a:p>
+        </p:txBody>
+      </p:sp>
+      <p:cxnSp>
+        <p:nvCxnSpPr>
+          <p:cNvPr id="7" name="直接箭头连接符 6"/>
+          <p:cNvCxnSpPr/>
+          <p:nvPr/>
+        </p:nvCxnSpPr>
+        <p:spPr>
+          <a:xfrm>
+            <a:off x="2989691" y="2405270"/>
+            <a:ext cx="1" cy="3323645"/>
+          </a:xfrm>
+          <a:prstGeom prst="straightConnector1">
+            <a:avLst/>
+          </a:prstGeom>
+          <a:ln>
+            <a:solidFill>
+              <a:srgbClr val="0070C0"/>
+            </a:solidFill>
+            <a:headEnd type="triangle"/>
+            <a:tailEnd type="triangle"/>
+          </a:ln>
+        </p:spPr>
+        <p:style>
+          <a:lnRef idx="3">
+            <a:schemeClr val="accent1"/>
+          </a:lnRef>
+          <a:fillRef idx="0">
+            <a:schemeClr val="accent1"/>
+          </a:fillRef>
+          <a:effectRef idx="2">
+            <a:schemeClr val="accent1"/>
+          </a:effectRef>
+          <a:fontRef idx="minor">
+            <a:schemeClr val="tx1"/>
+          </a:fontRef>
+        </p:style>
+      </p:cxnSp>
+      <p:cxnSp>
+        <p:nvCxnSpPr>
+          <p:cNvPr id="14" name="直接箭头连接符 13"/>
+          <p:cNvCxnSpPr>
+            <a:endCxn id="5" idx="7"/>
+          </p:cNvCxnSpPr>
+          <p:nvPr/>
+        </p:nvCxnSpPr>
+        <p:spPr>
+          <a:xfrm flipV="1">
+            <a:off x="4901979" y="2892007"/>
+            <a:ext cx="1163159" cy="1171110"/>
+          </a:xfrm>
+          <a:prstGeom prst="straightConnector1">
+            <a:avLst/>
+          </a:prstGeom>
+          <a:ln>
+            <a:solidFill>
+              <a:srgbClr val="0070C0"/>
+            </a:solidFill>
+            <a:tailEnd type="triangle"/>
+          </a:ln>
+        </p:spPr>
+        <p:style>
+          <a:lnRef idx="3">
+            <a:schemeClr val="accent1"/>
+          </a:lnRef>
+          <a:fillRef idx="0">
+            <a:schemeClr val="accent1"/>
+          </a:fillRef>
+          <a:effectRef idx="2">
+            <a:schemeClr val="accent1"/>
+          </a:effectRef>
+          <a:fontRef idx="minor">
+            <a:schemeClr val="tx1"/>
+          </a:fontRef>
+        </p:style>
+      </p:cxnSp>
+      <p:graphicFrame>
+        <p:nvGraphicFramePr>
+          <p:cNvPr id="15" name="对象 14"/>
+          <p:cNvGraphicFramePr>
+            <a:graphicFrameLocks noChangeAspect="1"/>
+          </p:cNvGraphicFramePr>
+          <p:nvPr>
+            <p:extLst>
+              <p:ext uri="{D42A27DB-BD31-4B8C-83A1-F6EECF244321}">
+                <p14:modId xmlns:p14="http://schemas.microsoft.com/office/powerpoint/2010/main" val="3467714910"/>
+              </p:ext>
+            </p:extLst>
+          </p:nvPr>
+        </p:nvGraphicFramePr>
+        <p:xfrm>
+          <a:off x="2502954" y="3980567"/>
+          <a:ext cx="429039" cy="371834"/>
+        </p:xfrm>
+        <a:graphic>
+          <a:graphicData uri="http://schemas.openxmlformats.org/presentationml/2006/ole">
+            <mc:AlternateContent xmlns:mc="http://schemas.openxmlformats.org/markup-compatibility/2006">
+              <mc:Choice xmlns:v="urn:schemas-microsoft-com:vml" Requires="v">
+                <p:oleObj spid="_x0000_s4100" name="Equation" r:id="rId3" imgW="190440" imgH="164880" progId="Equation.DSMT4">
+                  <p:embed/>
+                </p:oleObj>
+              </mc:Choice>
+              <mc:Fallback>
+                <p:oleObj name="Equation" r:id="rId3" imgW="190440" imgH="164880" progId="Equation.DSMT4">
+                  <p:embed/>
+                  <p:pic>
+                    <p:nvPicPr>
+                      <p:cNvPr id="0" name=""/>
+                      <p:cNvPicPr/>
+                      <p:nvPr/>
+                    </p:nvPicPr>
+                    <p:blipFill>
+                      <a:blip r:embed="rId4"/>
+                      <a:stretch>
+                        <a:fillRect/>
+                      </a:stretch>
+                    </p:blipFill>
+                    <p:spPr>
+                      <a:xfrm>
+                        <a:off x="2502954" y="3980567"/>
+                        <a:ext cx="429039" cy="371834"/>
+                      </a:xfrm>
+                      <a:prstGeom prst="rect">
+                        <a:avLst/>
+                      </a:prstGeom>
+                    </p:spPr>
+                  </p:pic>
+                </p:oleObj>
+              </mc:Fallback>
+            </mc:AlternateContent>
+          </a:graphicData>
+        </a:graphic>
+      </p:graphicFrame>
+      <p:graphicFrame>
+        <p:nvGraphicFramePr>
+          <p:cNvPr id="16" name="对象 15"/>
+          <p:cNvGraphicFramePr>
+            <a:graphicFrameLocks noChangeAspect="1"/>
+          </p:cNvGraphicFramePr>
+          <p:nvPr>
+            <p:extLst>
+              <p:ext uri="{D42A27DB-BD31-4B8C-83A1-F6EECF244321}">
+                <p14:modId xmlns:p14="http://schemas.microsoft.com/office/powerpoint/2010/main" val="1876718729"/>
+              </p:ext>
+            </p:extLst>
+          </p:nvPr>
+        </p:nvGraphicFramePr>
+        <p:xfrm>
+          <a:off x="5188480" y="3191812"/>
+          <a:ext cx="257175" cy="285750"/>
+        </p:xfrm>
+        <a:graphic>
+          <a:graphicData uri="http://schemas.openxmlformats.org/presentationml/2006/ole">
+            <mc:AlternateContent xmlns:mc="http://schemas.openxmlformats.org/markup-compatibility/2006">
+              <mc:Choice xmlns:v="urn:schemas-microsoft-com:vml" Requires="v">
+                <p:oleObj spid="_x0000_s4101" name="Equation" r:id="rId5" imgW="114120" imgH="126720" progId="Equation.DSMT4">
+                  <p:embed/>
+                </p:oleObj>
+              </mc:Choice>
+              <mc:Fallback>
+                <p:oleObj name="Equation" r:id="rId5" imgW="114120" imgH="126720" progId="Equation.DSMT4">
+                  <p:embed/>
+                  <p:pic>
+                    <p:nvPicPr>
+                      <p:cNvPr id="15" name="对象 14"/>
+                      <p:cNvPicPr/>
+                      <p:nvPr/>
+                    </p:nvPicPr>
+                    <p:blipFill>
+                      <a:blip r:embed="rId6"/>
+                      <a:stretch>
+                        <a:fillRect/>
+                      </a:stretch>
+                    </p:blipFill>
+                    <p:spPr>
+                      <a:xfrm>
+                        <a:off x="5188480" y="3191812"/>
+                        <a:ext cx="257175" cy="285750"/>
+                      </a:xfrm>
+                      <a:prstGeom prst="rect">
+                        <a:avLst/>
+                      </a:prstGeom>
+                    </p:spPr>
+                  </p:pic>
+                </p:oleObj>
+              </mc:Fallback>
+            </mc:AlternateContent>
+          </a:graphicData>
+        </a:graphic>
+      </p:graphicFrame>
+    </p:spTree>
+    <p:extLst>
+      <p:ext uri="{BB962C8B-B14F-4D97-AF65-F5344CB8AC3E}">
+        <p14:creationId xmlns:p14="http://schemas.microsoft.com/office/powerpoint/2010/main" val="3412050418"/>
       </p:ext>
     </p:extLst>
   </p:cSld>
